--- a/1 CALL CENTER SURVEY PORTAL.pptx
+++ b/1 CALL CENTER SURVEY PORTAL.pptx
@@ -22,6 +22,8 @@
     <p:sldId id="270" r:id="rId16"/>
     <p:sldId id="271" r:id="rId17"/>
     <p:sldId id="272" r:id="rId18"/>
+    <p:sldId id="273" r:id="rId19"/>
+    <p:sldId id="274" r:id="rId20"/>
   </p:sldIdLst>
   <p:sldSz cx="9144000" cy="6858000" type="screen4x3"/>
   <p:notesSz cx="6858000" cy="9144000"/>
@@ -3354,17 +3356,7 @@
                 <a:latin typeface="Times New Roman" pitchFamily="18" charset="0"/>
                 <a:cs typeface="Times New Roman" pitchFamily="18" charset="0"/>
               </a:rPr>
-              <a:t>Project Guide:- Asst</a:t>
-            </a:r>
-            <a:r>
-              <a:rPr lang="en-US" sz="2000" dirty="0" smtClean="0">
-                <a:solidFill>
-                  <a:srgbClr val="C00000"/>
-                </a:solidFill>
-                <a:latin typeface="Times New Roman" pitchFamily="18" charset="0"/>
-                <a:cs typeface="Times New Roman" pitchFamily="18" charset="0"/>
-              </a:rPr>
-              <a:t>. Prof. </a:t>
+              <a:t>Project Guide:- Asst. Prof. </a:t>
             </a:r>
             <a:r>
               <a:rPr lang="en-US" sz="2000" dirty="0" err="1" smtClean="0">
@@ -3384,17 +3376,7 @@
                 <a:latin typeface="Times New Roman" pitchFamily="18" charset="0"/>
                 <a:cs typeface="Times New Roman" pitchFamily="18" charset="0"/>
               </a:rPr>
-              <a:t> </a:t>
-            </a:r>
-            <a:r>
-              <a:rPr lang="en-US" sz="2000" dirty="0" smtClean="0">
-                <a:solidFill>
-                  <a:srgbClr val="C00000"/>
-                </a:solidFill>
-                <a:latin typeface="Times New Roman" pitchFamily="18" charset="0"/>
-                <a:cs typeface="Times New Roman" pitchFamily="18" charset="0"/>
-              </a:rPr>
-              <a:t>K Chandran,</a:t>
+              <a:t> K Chandran,</a:t>
             </a:r>
           </a:p>
           <a:p>
@@ -4231,6 +4213,141 @@
 </p:sld>
 </file>
 
+<file path=ppt/slides/slide18.xml><?xml version="1.0" encoding="utf-8"?>
+<p:sld xmlns:a="http://schemas.openxmlformats.org/drawingml/2006/main" xmlns:r="http://schemas.openxmlformats.org/officeDocument/2006/relationships" xmlns:p="http://schemas.openxmlformats.org/presentationml/2006/main">
+  <p:cSld>
+    <p:spTree>
+      <p:nvGrpSpPr>
+        <p:cNvPr id="1" name=""/>
+        <p:cNvGrpSpPr/>
+        <p:nvPr/>
+      </p:nvGrpSpPr>
+      <p:grpSpPr>
+        <a:xfrm>
+          <a:off x="0" y="0"/>
+          <a:ext cx="0" cy="0"/>
+          <a:chOff x="0" y="0"/>
+          <a:chExt cx="0" cy="0"/>
+        </a:xfrm>
+      </p:grpSpPr>
+      <p:sp>
+        <p:nvSpPr>
+          <p:cNvPr id="2" name="Title 1"/>
+          <p:cNvSpPr>
+            <a:spLocks noGrp="1"/>
+          </p:cNvSpPr>
+          <p:nvPr>
+            <p:ph type="title"/>
+          </p:nvPr>
+        </p:nvSpPr>
+        <p:spPr>
+          <a:xfrm>
+            <a:off x="714348" y="428604"/>
+            <a:ext cx="8229600" cy="1143000"/>
+          </a:xfrm>
+        </p:spPr>
+        <p:txBody>
+          <a:bodyPr/>
+          <a:lstStyle/>
+          <a:p>
+            <a:pPr algn="l"/>
+            <a:r>
+              <a:rPr lang="en-US" b="1" u="sng" dirty="0" smtClean="0">
+                <a:solidFill>
+                  <a:srgbClr val="FF0000"/>
+                </a:solidFill>
+                <a:latin typeface="Centaur" pitchFamily="18" charset="0"/>
+              </a:rPr>
+              <a:t>GIT HISTORY</a:t>
+            </a:r>
+            <a:endParaRPr lang="en-US" b="1" u="sng" dirty="0">
+              <a:solidFill>
+                <a:srgbClr val="FF0000"/>
+              </a:solidFill>
+              <a:latin typeface="Centaur" pitchFamily="18" charset="0"/>
+            </a:endParaRPr>
+          </a:p>
+        </p:txBody>
+      </p:sp>
+      <p:pic>
+        <p:nvPicPr>
+          <p:cNvPr id="6" name="Content Placeholder 5" descr="git2.png"/>
+          <p:cNvPicPr>
+            <a:picLocks noGrp="1" noChangeAspect="1"/>
+          </p:cNvPicPr>
+          <p:nvPr>
+            <p:ph idx="1"/>
+          </p:nvPr>
+        </p:nvPicPr>
+        <p:blipFill>
+          <a:blip r:embed="rId2"/>
+          <a:stretch>
+            <a:fillRect/>
+          </a:stretch>
+        </p:blipFill>
+        <p:spPr>
+          <a:xfrm>
+            <a:off x="546957" y="1600200"/>
+            <a:ext cx="8050085" cy="4525963"/>
+          </a:xfrm>
+        </p:spPr>
+      </p:pic>
+    </p:spTree>
+  </p:cSld>
+  <p:clrMapOvr>
+    <a:masterClrMapping/>
+  </p:clrMapOvr>
+</p:sld>
+</file>
+
+<file path=ppt/slides/slide19.xml><?xml version="1.0" encoding="utf-8"?>
+<p:sld xmlns:a="http://schemas.openxmlformats.org/drawingml/2006/main" xmlns:r="http://schemas.openxmlformats.org/officeDocument/2006/relationships" xmlns:p="http://schemas.openxmlformats.org/presentationml/2006/main">
+  <p:cSld>
+    <p:spTree>
+      <p:nvGrpSpPr>
+        <p:cNvPr id="1" name=""/>
+        <p:cNvGrpSpPr/>
+        <p:nvPr/>
+      </p:nvGrpSpPr>
+      <p:grpSpPr>
+        <a:xfrm>
+          <a:off x="0" y="0"/>
+          <a:ext cx="0" cy="0"/>
+          <a:chOff x="0" y="0"/>
+          <a:chExt cx="0" cy="0"/>
+        </a:xfrm>
+      </p:grpSpPr>
+      <p:pic>
+        <p:nvPicPr>
+          <p:cNvPr id="4" name="Content Placeholder 3" descr="git3.png"/>
+          <p:cNvPicPr>
+            <a:picLocks noGrp="1" noChangeAspect="1"/>
+          </p:cNvPicPr>
+          <p:nvPr>
+            <p:ph idx="1"/>
+          </p:nvPr>
+        </p:nvPicPr>
+        <p:blipFill>
+          <a:blip r:embed="rId2"/>
+          <a:stretch>
+            <a:fillRect/>
+          </a:stretch>
+        </p:blipFill>
+        <p:spPr>
+          <a:xfrm>
+            <a:off x="428596" y="1000108"/>
+            <a:ext cx="8050085" cy="4525963"/>
+          </a:xfrm>
+        </p:spPr>
+      </p:pic>
+    </p:spTree>
+  </p:cSld>
+  <p:clrMapOvr>
+    <a:masterClrMapping/>
+  </p:clrMapOvr>
+</p:sld>
+</file>
+
 <file path=ppt/slides/slide2.xml><?xml version="1.0" encoding="utf-8"?>
 <p:sld xmlns:a="http://schemas.openxmlformats.org/drawingml/2006/main" xmlns:r="http://schemas.openxmlformats.org/officeDocument/2006/relationships" xmlns:p="http://schemas.openxmlformats.org/presentationml/2006/main">
   <p:cSld>
@@ -6143,7 +6260,7 @@
           <p:cNvPr id="4" name="Table 2">
             <a:extLst>
               <a:ext uri="{FF2B5EF4-FFF2-40B4-BE49-F238E27FC236}">
-                <a16:creationId xmlns="" xmlns:a16="http://schemas.microsoft.com/office/drawing/2014/main" id="{04C8808A-C089-4552-9362-26D4BA1018AC}"/>
+                <a16:creationId xmlns:a16="http://schemas.microsoft.com/office/drawing/2014/main" xmlns="" id="{04C8808A-C089-4552-9362-26D4BA1018AC}"/>
               </a:ext>
             </a:extLst>
           </p:cNvPr>
@@ -6153,7 +6270,7 @@
           <p:nvPr>
             <p:extLst>
               <p:ext uri="{D42A27DB-BD31-4B8C-83A1-F6EECF244321}">
-                <p14:modId xmlns="" xmlns:p14="http://schemas.microsoft.com/office/powerpoint/2010/main" val="2804407879"/>
+                <p14:modId xmlns:p14="http://schemas.microsoft.com/office/powerpoint/2010/main" xmlns="" val="2804407879"/>
               </p:ext>
             </p:extLst>
           </p:nvPr>
@@ -6172,21 +6289,21 @@
                 <a:gridCol w="2693136">
                   <a:extLst>
                     <a:ext uri="{9D8B030D-6E8A-4147-A177-3AD203B41FA5}">
-                      <a16:colId xmlns="" xmlns:a16="http://schemas.microsoft.com/office/drawing/2014/main" val="867234272"/>
+                      <a16:colId xmlns:a16="http://schemas.microsoft.com/office/drawing/2014/main" xmlns="" val="867234272"/>
                     </a:ext>
                   </a:extLst>
                 </a:gridCol>
                 <a:gridCol w="2693136">
                   <a:extLst>
                     <a:ext uri="{9D8B030D-6E8A-4147-A177-3AD203B41FA5}">
-                      <a16:colId xmlns="" xmlns:a16="http://schemas.microsoft.com/office/drawing/2014/main" val="519802999"/>
+                      <a16:colId xmlns:a16="http://schemas.microsoft.com/office/drawing/2014/main" xmlns="" val="519802999"/>
                     </a:ext>
                   </a:extLst>
                 </a:gridCol>
                 <a:gridCol w="2693136">
                   <a:extLst>
                     <a:ext uri="{9D8B030D-6E8A-4147-A177-3AD203B41FA5}">
-                      <a16:colId xmlns="" xmlns:a16="http://schemas.microsoft.com/office/drawing/2014/main" val="3179862377"/>
+                      <a16:colId xmlns:a16="http://schemas.microsoft.com/office/drawing/2014/main" xmlns="" val="3179862377"/>
                     </a:ext>
                   </a:extLst>
                 </a:gridCol>
@@ -6242,7 +6359,7 @@
                 </a:tc>
                 <a:extLst>
                   <a:ext uri="{0D108BD9-81ED-4DB2-BD59-A6C34878D82A}">
-                    <a16:rowId xmlns="" xmlns:a16="http://schemas.microsoft.com/office/drawing/2014/main" val="583180544"/>
+                    <a16:rowId xmlns:a16="http://schemas.microsoft.com/office/drawing/2014/main" xmlns="" val="583180544"/>
                   </a:ext>
                 </a:extLst>
               </a:tr>
@@ -6291,7 +6408,7 @@
                 </a:tc>
                 <a:extLst>
                   <a:ext uri="{0D108BD9-81ED-4DB2-BD59-A6C34878D82A}">
-                    <a16:rowId xmlns="" xmlns:a16="http://schemas.microsoft.com/office/drawing/2014/main" val="550428623"/>
+                    <a16:rowId xmlns:a16="http://schemas.microsoft.com/office/drawing/2014/main" xmlns="" val="550428623"/>
                   </a:ext>
                 </a:extLst>
               </a:tr>
@@ -6304,7 +6421,7 @@
           <p:cNvPr id="5" name="Table 4">
             <a:extLst>
               <a:ext uri="{FF2B5EF4-FFF2-40B4-BE49-F238E27FC236}">
-                <a16:creationId xmlns="" xmlns:a16="http://schemas.microsoft.com/office/drawing/2014/main" id="{00460D9F-57AA-45AF-91CD-35C84DA691D6}"/>
+                <a16:creationId xmlns:a16="http://schemas.microsoft.com/office/drawing/2014/main" xmlns="" id="{00460D9F-57AA-45AF-91CD-35C84DA691D6}"/>
               </a:ext>
             </a:extLst>
           </p:cNvPr>
@@ -6314,7 +6431,7 @@
           <p:nvPr>
             <p:extLst>
               <p:ext uri="{D42A27DB-BD31-4B8C-83A1-F6EECF244321}">
-                <p14:modId xmlns="" xmlns:p14="http://schemas.microsoft.com/office/powerpoint/2010/main" val="1577971514"/>
+                <p14:modId xmlns:p14="http://schemas.microsoft.com/office/powerpoint/2010/main" xmlns="" val="1577971514"/>
               </p:ext>
             </p:extLst>
           </p:nvPr>
@@ -6333,21 +6450,21 @@
                 <a:gridCol w="570856">
                   <a:extLst>
                     <a:ext uri="{9D8B030D-6E8A-4147-A177-3AD203B41FA5}">
-                      <a16:colId xmlns="" xmlns:a16="http://schemas.microsoft.com/office/drawing/2014/main" val="3361250600"/>
+                      <a16:colId xmlns:a16="http://schemas.microsoft.com/office/drawing/2014/main" xmlns="" val="3361250600"/>
                     </a:ext>
                   </a:extLst>
                 </a:gridCol>
                 <a:gridCol w="4765702">
                   <a:extLst>
                     <a:ext uri="{9D8B030D-6E8A-4147-A177-3AD203B41FA5}">
-                      <a16:colId xmlns="" xmlns:a16="http://schemas.microsoft.com/office/drawing/2014/main" val="891867894"/>
+                      <a16:colId xmlns:a16="http://schemas.microsoft.com/office/drawing/2014/main" xmlns="" val="891867894"/>
                     </a:ext>
                   </a:extLst>
                 </a:gridCol>
                 <a:gridCol w="2742850">
                   <a:extLst>
                     <a:ext uri="{9D8B030D-6E8A-4147-A177-3AD203B41FA5}">
-                      <a16:colId xmlns="" xmlns:a16="http://schemas.microsoft.com/office/drawing/2014/main" val="3273562375"/>
+                      <a16:colId xmlns:a16="http://schemas.microsoft.com/office/drawing/2014/main" xmlns="" val="3273562375"/>
                     </a:ext>
                   </a:extLst>
                 </a:gridCol>
@@ -6403,7 +6520,7 @@
                 </a:tc>
                 <a:extLst>
                   <a:ext uri="{0D108BD9-81ED-4DB2-BD59-A6C34878D82A}">
-                    <a16:rowId xmlns="" xmlns:a16="http://schemas.microsoft.com/office/drawing/2014/main" val="4106552665"/>
+                    <a16:rowId xmlns:a16="http://schemas.microsoft.com/office/drawing/2014/main" xmlns="" val="4106552665"/>
                   </a:ext>
                 </a:extLst>
               </a:tr>
@@ -6481,7 +6598,7 @@
                 </a:tc>
                 <a:extLst>
                   <a:ext uri="{0D108BD9-81ED-4DB2-BD59-A6C34878D82A}">
-                    <a16:rowId xmlns="" xmlns:a16="http://schemas.microsoft.com/office/drawing/2014/main" val="1785128964"/>
+                    <a16:rowId xmlns:a16="http://schemas.microsoft.com/office/drawing/2014/main" xmlns="" val="1785128964"/>
                   </a:ext>
                 </a:extLst>
               </a:tr>
@@ -8286,7 +8403,7 @@
           <p:cNvPr id="4" name="Table 2">
             <a:extLst>
               <a:ext uri="{FF2B5EF4-FFF2-40B4-BE49-F238E27FC236}">
-                <a16:creationId xmlns="" xmlns:a16="http://schemas.microsoft.com/office/drawing/2014/main" id="{04C8808A-C089-4552-9362-26D4BA1018AC}"/>
+                <a16:creationId xmlns:a16="http://schemas.microsoft.com/office/drawing/2014/main" xmlns="" id="{04C8808A-C089-4552-9362-26D4BA1018AC}"/>
               </a:ext>
             </a:extLst>
           </p:cNvPr>
@@ -8296,7 +8413,7 @@
           <p:nvPr>
             <p:extLst>
               <p:ext uri="{D42A27DB-BD31-4B8C-83A1-F6EECF244321}">
-                <p14:modId xmlns="" xmlns:p14="http://schemas.microsoft.com/office/powerpoint/2010/main" val="2804407879"/>
+                <p14:modId xmlns:p14="http://schemas.microsoft.com/office/powerpoint/2010/main" xmlns="" val="2804407879"/>
               </p:ext>
             </p:extLst>
           </p:nvPr>
@@ -8315,21 +8432,21 @@
                 <a:gridCol w="2693136">
                   <a:extLst>
                     <a:ext uri="{9D8B030D-6E8A-4147-A177-3AD203B41FA5}">
-                      <a16:colId xmlns="" xmlns:a16="http://schemas.microsoft.com/office/drawing/2014/main" val="867234272"/>
+                      <a16:colId xmlns:a16="http://schemas.microsoft.com/office/drawing/2014/main" xmlns="" val="867234272"/>
                     </a:ext>
                   </a:extLst>
                 </a:gridCol>
                 <a:gridCol w="2693136">
                   <a:extLst>
                     <a:ext uri="{9D8B030D-6E8A-4147-A177-3AD203B41FA5}">
-                      <a16:colId xmlns="" xmlns:a16="http://schemas.microsoft.com/office/drawing/2014/main" val="519802999"/>
+                      <a16:colId xmlns:a16="http://schemas.microsoft.com/office/drawing/2014/main" xmlns="" val="519802999"/>
                     </a:ext>
                   </a:extLst>
                 </a:gridCol>
                 <a:gridCol w="2693136">
                   <a:extLst>
                     <a:ext uri="{9D8B030D-6E8A-4147-A177-3AD203B41FA5}">
-                      <a16:colId xmlns="" xmlns:a16="http://schemas.microsoft.com/office/drawing/2014/main" val="3179862377"/>
+                      <a16:colId xmlns:a16="http://schemas.microsoft.com/office/drawing/2014/main" xmlns="" val="3179862377"/>
                     </a:ext>
                   </a:extLst>
                 </a:gridCol>
@@ -8385,7 +8502,7 @@
                 </a:tc>
                 <a:extLst>
                   <a:ext uri="{0D108BD9-81ED-4DB2-BD59-A6C34878D82A}">
-                    <a16:rowId xmlns="" xmlns:a16="http://schemas.microsoft.com/office/drawing/2014/main" val="583180544"/>
+                    <a16:rowId xmlns:a16="http://schemas.microsoft.com/office/drawing/2014/main" xmlns="" val="583180544"/>
                   </a:ext>
                 </a:extLst>
               </a:tr>
@@ -8434,7 +8551,7 @@
                 </a:tc>
                 <a:extLst>
                   <a:ext uri="{0D108BD9-81ED-4DB2-BD59-A6C34878D82A}">
-                    <a16:rowId xmlns="" xmlns:a16="http://schemas.microsoft.com/office/drawing/2014/main" val="550428623"/>
+                    <a16:rowId xmlns:a16="http://schemas.microsoft.com/office/drawing/2014/main" xmlns="" val="550428623"/>
                   </a:ext>
                 </a:extLst>
               </a:tr>
@@ -8447,7 +8564,7 @@
           <p:cNvPr id="5" name="Table 4">
             <a:extLst>
               <a:ext uri="{FF2B5EF4-FFF2-40B4-BE49-F238E27FC236}">
-                <a16:creationId xmlns="" xmlns:a16="http://schemas.microsoft.com/office/drawing/2014/main" id="{00460D9F-57AA-45AF-91CD-35C84DA691D6}"/>
+                <a16:creationId xmlns:a16="http://schemas.microsoft.com/office/drawing/2014/main" xmlns="" id="{00460D9F-57AA-45AF-91CD-35C84DA691D6}"/>
               </a:ext>
             </a:extLst>
           </p:cNvPr>
@@ -8457,7 +8574,7 @@
           <p:nvPr>
             <p:extLst>
               <p:ext uri="{D42A27DB-BD31-4B8C-83A1-F6EECF244321}">
-                <p14:modId xmlns="" xmlns:p14="http://schemas.microsoft.com/office/powerpoint/2010/main" val="1577971514"/>
+                <p14:modId xmlns:p14="http://schemas.microsoft.com/office/powerpoint/2010/main" xmlns="" val="1577971514"/>
               </p:ext>
             </p:extLst>
           </p:nvPr>
@@ -8476,21 +8593,21 @@
                 <a:gridCol w="570856">
                   <a:extLst>
                     <a:ext uri="{9D8B030D-6E8A-4147-A177-3AD203B41FA5}">
-                      <a16:colId xmlns="" xmlns:a16="http://schemas.microsoft.com/office/drawing/2014/main" val="3361250600"/>
+                      <a16:colId xmlns:a16="http://schemas.microsoft.com/office/drawing/2014/main" xmlns="" val="3361250600"/>
                     </a:ext>
                   </a:extLst>
                 </a:gridCol>
                 <a:gridCol w="4765702">
                   <a:extLst>
                     <a:ext uri="{9D8B030D-6E8A-4147-A177-3AD203B41FA5}">
-                      <a16:colId xmlns="" xmlns:a16="http://schemas.microsoft.com/office/drawing/2014/main" val="891867894"/>
+                      <a16:colId xmlns:a16="http://schemas.microsoft.com/office/drawing/2014/main" xmlns="" val="891867894"/>
                     </a:ext>
                   </a:extLst>
                 </a:gridCol>
                 <a:gridCol w="2742850">
                   <a:extLst>
                     <a:ext uri="{9D8B030D-6E8A-4147-A177-3AD203B41FA5}">
-                      <a16:colId xmlns="" xmlns:a16="http://schemas.microsoft.com/office/drawing/2014/main" val="3273562375"/>
+                      <a16:colId xmlns:a16="http://schemas.microsoft.com/office/drawing/2014/main" xmlns="" val="3273562375"/>
                     </a:ext>
                   </a:extLst>
                 </a:gridCol>
@@ -8546,7 +8663,7 @@
                 </a:tc>
                 <a:extLst>
                   <a:ext uri="{0D108BD9-81ED-4DB2-BD59-A6C34878D82A}">
-                    <a16:rowId xmlns="" xmlns:a16="http://schemas.microsoft.com/office/drawing/2014/main" val="4106552665"/>
+                    <a16:rowId xmlns:a16="http://schemas.microsoft.com/office/drawing/2014/main" xmlns="" val="4106552665"/>
                   </a:ext>
                 </a:extLst>
               </a:tr>
@@ -8606,7 +8723,7 @@
                 </a:tc>
                 <a:extLst>
                   <a:ext uri="{0D108BD9-81ED-4DB2-BD59-A6C34878D82A}">
-                    <a16:rowId xmlns="" xmlns:a16="http://schemas.microsoft.com/office/drawing/2014/main" val="1785128964"/>
+                    <a16:rowId xmlns:a16="http://schemas.microsoft.com/office/drawing/2014/main" xmlns="" val="1785128964"/>
                   </a:ext>
                 </a:extLst>
               </a:tr>
